--- a/sesion7/Sesion 7.pptx
+++ b/sesion7/Sesion 7.pptx
@@ -5,25 +5,24 @@
     <p:sldMasterId id="2147483648" r:id="rId1"/>
   </p:sldMasterIdLst>
   <p:notesMasterIdLst>
-    <p:notesMasterId r:id="rId18"/>
+    <p:notesMasterId r:id="rId17"/>
   </p:notesMasterIdLst>
   <p:sldIdLst>
     <p:sldId id="256" r:id="rId2"/>
     <p:sldId id="265" r:id="rId3"/>
     <p:sldId id="258" r:id="rId4"/>
-    <p:sldId id="263" r:id="rId5"/>
-    <p:sldId id="306" r:id="rId6"/>
-    <p:sldId id="307" r:id="rId7"/>
-    <p:sldId id="308" r:id="rId8"/>
-    <p:sldId id="309" r:id="rId9"/>
-    <p:sldId id="310" r:id="rId10"/>
-    <p:sldId id="311" r:id="rId11"/>
-    <p:sldId id="312" r:id="rId12"/>
-    <p:sldId id="313" r:id="rId13"/>
-    <p:sldId id="314" r:id="rId14"/>
-    <p:sldId id="315" r:id="rId15"/>
-    <p:sldId id="316" r:id="rId16"/>
-    <p:sldId id="259" r:id="rId17"/>
+    <p:sldId id="306" r:id="rId5"/>
+    <p:sldId id="307" r:id="rId6"/>
+    <p:sldId id="308" r:id="rId7"/>
+    <p:sldId id="309" r:id="rId8"/>
+    <p:sldId id="310" r:id="rId9"/>
+    <p:sldId id="311" r:id="rId10"/>
+    <p:sldId id="312" r:id="rId11"/>
+    <p:sldId id="313" r:id="rId12"/>
+    <p:sldId id="314" r:id="rId13"/>
+    <p:sldId id="315" r:id="rId14"/>
+    <p:sldId id="316" r:id="rId15"/>
+    <p:sldId id="259" r:id="rId16"/>
   </p:sldIdLst>
   <p:sldSz cx="9144000" cy="5143500" type="screen16x9"/>
   <p:notesSz cx="6858000" cy="9144000"/>
@@ -487,91 +486,6 @@
     </a:lvl9pPr>
   </p:notesStyle>
 </p:notesMaster>
-</file>
-
-<file path=ppt/notesSlides/notesSlide1.xml><?xml version="1.0" encoding="utf-8"?>
-<p:notes xmlns:a="http://schemas.openxmlformats.org/drawingml/2006/main" xmlns:r="http://schemas.openxmlformats.org/officeDocument/2006/relationships" xmlns:p="http://schemas.openxmlformats.org/presentationml/2006/main">
-  <p:cSld>
-    <p:spTree>
-      <p:nvGrpSpPr>
-        <p:cNvPr id="1" name=""/>
-        <p:cNvGrpSpPr/>
-        <p:nvPr/>
-      </p:nvGrpSpPr>
-      <p:grpSpPr>
-        <a:xfrm>
-          <a:off x="0" y="0"/>
-          <a:ext cx="0" cy="0"/>
-          <a:chOff x="0" y="0"/>
-          <a:chExt cx="0" cy="0"/>
-        </a:xfrm>
-      </p:grpSpPr>
-      <p:sp>
-        <p:nvSpPr>
-          <p:cNvPr id="2" name="Marcador de imagen de diapositiva 1"/>
-          <p:cNvSpPr>
-            <a:spLocks noGrp="1" noRot="1" noChangeAspect="1"/>
-          </p:cNvSpPr>
-          <p:nvPr>
-            <p:ph type="sldImg"/>
-          </p:nvPr>
-        </p:nvSpPr>
-        <p:spPr/>
-      </p:sp>
-      <p:sp>
-        <p:nvSpPr>
-          <p:cNvPr id="3" name="Marcador de notas 2"/>
-          <p:cNvSpPr>
-            <a:spLocks noGrp="1"/>
-          </p:cNvSpPr>
-          <p:nvPr>
-            <p:ph type="body" idx="1"/>
-          </p:nvPr>
-        </p:nvSpPr>
-        <p:spPr/>
-        <p:txBody>
-          <a:bodyPr/>
-          <a:lstStyle/>
-          <a:p>
-            <a:endParaRPr lang="es-ES" dirty="0"/>
-          </a:p>
-        </p:txBody>
-      </p:sp>
-      <p:sp>
-        <p:nvSpPr>
-          <p:cNvPr id="4" name="Marcador de número de diapositiva 3"/>
-          <p:cNvSpPr>
-            <a:spLocks noGrp="1"/>
-          </p:cNvSpPr>
-          <p:nvPr>
-            <p:ph type="sldNum" sz="quarter" idx="5"/>
-          </p:nvPr>
-        </p:nvSpPr>
-        <p:spPr/>
-        <p:txBody>
-          <a:bodyPr/>
-          <a:lstStyle/>
-          <a:p>
-            <a:fld id="{E580AE22-138E-4CE0-8F43-3DD4BBCBCB7D}" type="slidenum">
-              <a:rPr lang="es-ES" smtClean="0"/>
-              <a:pPr/>
-              <a:t>4</a:t>
-            </a:fld>
-            <a:endParaRPr lang="es-ES"/>
-          </a:p>
-        </p:txBody>
-      </p:sp>
-    </p:spTree>
-    <p:extLst>
-      <p:ext uri="{BB962C8B-B14F-4D97-AF65-F5344CB8AC3E}">
-        <p14:creationId xmlns:p14="http://schemas.microsoft.com/office/powerpoint/2010/main" val="2458780164"/>
-      </p:ext>
-    </p:extLst>
-  </p:cSld>
-  <p:clrMapOvr>
-    <a:masterClrMapping/>
-  </p:clrMapOvr>
-</p:notes>
 </file>
 
 <file path=ppt/slideLayouts/slideLayout1.xml><?xml version="1.0" encoding="utf-8"?>
@@ -4425,545 +4339,6 @@
         <p:cNvPr id="1" name="">
           <a:extLst>
             <a:ext uri="{FF2B5EF4-FFF2-40B4-BE49-F238E27FC236}">
-              <a16:creationId xmlns:a16="http://schemas.microsoft.com/office/drawing/2014/main" id="{5346935D-AB42-5DFB-03DF-BC5EC966111D}"/>
-            </a:ext>
-          </a:extLst>
-        </p:cNvPr>
-        <p:cNvGrpSpPr/>
-        <p:nvPr/>
-      </p:nvGrpSpPr>
-      <p:grpSpPr>
-        <a:xfrm>
-          <a:off x="0" y="0"/>
-          <a:ext cx="0" cy="0"/>
-          <a:chOff x="0" y="0"/>
-          <a:chExt cx="0" cy="0"/>
-        </a:xfrm>
-      </p:grpSpPr>
-      <p:sp>
-        <p:nvSpPr>
-          <p:cNvPr id="13" name="Rectángulo 12">
-            <a:extLst>
-              <a:ext uri="{FF2B5EF4-FFF2-40B4-BE49-F238E27FC236}">
-                <a16:creationId xmlns:a16="http://schemas.microsoft.com/office/drawing/2014/main" id="{D16F3A02-D443-0C7F-13B5-A529114D8E17}"/>
-              </a:ext>
-            </a:extLst>
-          </p:cNvPr>
-          <p:cNvSpPr/>
-          <p:nvPr/>
-        </p:nvSpPr>
-        <p:spPr>
-          <a:xfrm>
-            <a:off x="261636" y="1275606"/>
-            <a:ext cx="4886428" cy="3672407"/>
-          </a:xfrm>
-          <a:prstGeom prst="rect">
-            <a:avLst/>
-          </a:prstGeom>
-        </p:spPr>
-        <p:style>
-          <a:lnRef idx="2">
-            <a:schemeClr val="accent6"/>
-          </a:lnRef>
-          <a:fillRef idx="1">
-            <a:schemeClr val="lt1"/>
-          </a:fillRef>
-          <a:effectRef idx="0">
-            <a:schemeClr val="accent6"/>
-          </a:effectRef>
-          <a:fontRef idx="minor">
-            <a:schemeClr val="dk1"/>
-          </a:fontRef>
-        </p:style>
-        <p:txBody>
-          <a:bodyPr rtlCol="0" anchor="ctr"/>
-          <a:lstStyle/>
-          <a:p>
-            <a:pPr algn="ctr"/>
-            <a:endParaRPr lang="es-ES"/>
-          </a:p>
-        </p:txBody>
-      </p:sp>
-      <p:sp>
-        <p:nvSpPr>
-          <p:cNvPr id="5" name="4 Marcador de contenido">
-            <a:extLst>
-              <a:ext uri="{FF2B5EF4-FFF2-40B4-BE49-F238E27FC236}">
-                <a16:creationId xmlns:a16="http://schemas.microsoft.com/office/drawing/2014/main" id="{DAA66C12-5F05-A362-5645-96540E791605}"/>
-              </a:ext>
-            </a:extLst>
-          </p:cNvPr>
-          <p:cNvSpPr>
-            <a:spLocks noGrp="1"/>
-          </p:cNvSpPr>
-          <p:nvPr>
-            <p:ph idx="1"/>
-          </p:nvPr>
-        </p:nvSpPr>
-        <p:spPr>
-          <a:xfrm>
-            <a:off x="457200" y="915567"/>
-            <a:ext cx="8579296" cy="360040"/>
-          </a:xfrm>
-        </p:spPr>
-        <p:txBody>
-          <a:bodyPr>
-            <a:normAutofit fontScale="47500" lnSpcReduction="20000"/>
-          </a:bodyPr>
-          <a:lstStyle/>
-          <a:p>
-            <a:r>
-              <a:rPr lang="es-ES" sz="4200" dirty="0"/>
-              <a:t>Casos Típicos de Auditoría</a:t>
-            </a:r>
-            <a:endParaRPr lang="es-ES" dirty="0"/>
-          </a:p>
-        </p:txBody>
-      </p:sp>
-      <p:sp>
-        <p:nvSpPr>
-          <p:cNvPr id="4" name="3 Título">
-            <a:extLst>
-              <a:ext uri="{FF2B5EF4-FFF2-40B4-BE49-F238E27FC236}">
-                <a16:creationId xmlns:a16="http://schemas.microsoft.com/office/drawing/2014/main" id="{10E76E1C-FC2D-3361-F91B-CE54CEDF54C6}"/>
-              </a:ext>
-            </a:extLst>
-          </p:cNvPr>
-          <p:cNvSpPr>
-            <a:spLocks noGrp="1"/>
-          </p:cNvSpPr>
-          <p:nvPr>
-            <p:ph type="title"/>
-          </p:nvPr>
-        </p:nvSpPr>
-        <p:spPr/>
-        <p:txBody>
-          <a:bodyPr/>
-          <a:lstStyle/>
-          <a:p>
-            <a:r>
-              <a:rPr lang="es-ES" b="1" dirty="0"/>
-              <a:t>Análisis y optimización de consultas en Oracle SQL y PL/SQL</a:t>
-            </a:r>
-            <a:endParaRPr lang="es-ES" dirty="0"/>
-          </a:p>
-        </p:txBody>
-      </p:sp>
-      <p:sp>
-        <p:nvSpPr>
-          <p:cNvPr id="8" name="7 Marcador de texto">
-            <a:extLst>
-              <a:ext uri="{FF2B5EF4-FFF2-40B4-BE49-F238E27FC236}">
-                <a16:creationId xmlns:a16="http://schemas.microsoft.com/office/drawing/2014/main" id="{DD8D8E5A-773A-DFAC-F228-2A24BFE702FE}"/>
-              </a:ext>
-            </a:extLst>
-          </p:cNvPr>
-          <p:cNvSpPr>
-            <a:spLocks noGrp="1"/>
-          </p:cNvSpPr>
-          <p:nvPr>
-            <p:ph type="body" sz="quarter" idx="14"/>
-          </p:nvPr>
-        </p:nvSpPr>
-        <p:spPr/>
-        <p:txBody>
-          <a:bodyPr>
-            <a:normAutofit fontScale="62500" lnSpcReduction="20000"/>
-          </a:bodyPr>
-          <a:lstStyle/>
-          <a:p>
-            <a:r>
-              <a:rPr lang="es-ES" dirty="0" err="1"/>
-              <a:t>Trigger</a:t>
-            </a:r>
-            <a:endParaRPr lang="es-ES" dirty="0"/>
-          </a:p>
-        </p:txBody>
-      </p:sp>
-      <p:sp>
-        <p:nvSpPr>
-          <p:cNvPr id="12" name="CuadroTexto 11">
-            <a:extLst>
-              <a:ext uri="{FF2B5EF4-FFF2-40B4-BE49-F238E27FC236}">
-                <a16:creationId xmlns:a16="http://schemas.microsoft.com/office/drawing/2014/main" id="{80819DEA-6840-3A17-9A0C-A8EBB2BC1C47}"/>
-              </a:ext>
-            </a:extLst>
-          </p:cNvPr>
-          <p:cNvSpPr txBox="1"/>
-          <p:nvPr/>
-        </p:nvSpPr>
-        <p:spPr>
-          <a:xfrm>
-            <a:off x="270855" y="1419622"/>
-            <a:ext cx="5309257" cy="3693319"/>
-          </a:xfrm>
-          <a:prstGeom prst="rect">
-            <a:avLst/>
-          </a:prstGeom>
-          <a:noFill/>
-        </p:spPr>
-        <p:txBody>
-          <a:bodyPr wrap="square">
-            <a:spAutoFit/>
-          </a:bodyPr>
-          <a:lstStyle/>
-          <a:p>
-            <a:r>
-              <a:rPr lang="en-US" sz="1300" dirty="0"/>
-              <a:t>CREATE OR REPLACE TRIGGER </a:t>
-            </a:r>
-            <a:r>
-              <a:rPr lang="en-US" sz="1300" dirty="0" err="1"/>
-              <a:t>tr_auditoria_completa</a:t>
-            </a:r>
-            <a:endParaRPr lang="en-US" sz="1300" dirty="0"/>
-          </a:p>
-          <a:p>
-            <a:r>
-              <a:rPr lang="en-US" sz="1300" dirty="0"/>
-              <a:t>AFTER INSERT OR UPDATE OR DELETE ON </a:t>
-            </a:r>
-            <a:r>
-              <a:rPr lang="en-US" sz="1300" dirty="0" err="1"/>
-              <a:t>empleados</a:t>
-            </a:r>
-            <a:endParaRPr lang="en-US" sz="1300" dirty="0"/>
-          </a:p>
-          <a:p>
-            <a:r>
-              <a:rPr lang="en-US" sz="1300" dirty="0"/>
-              <a:t>FOR EACH ROW</a:t>
-            </a:r>
-          </a:p>
-          <a:p>
-            <a:r>
-              <a:rPr lang="en-US" sz="1300" dirty="0"/>
-              <a:t>BEGIN</a:t>
-            </a:r>
-          </a:p>
-          <a:p>
-            <a:r>
-              <a:rPr lang="en-US" sz="1300" dirty="0"/>
-              <a:t>    IF INSERTING THEN</a:t>
-            </a:r>
-          </a:p>
-          <a:p>
-            <a:r>
-              <a:rPr lang="en-US" sz="1300" dirty="0"/>
-              <a:t>        INSERT INTO auditoria VALUES (</a:t>
-            </a:r>
-            <a:r>
-              <a:rPr lang="en-US" sz="1300" dirty="0" err="1"/>
-              <a:t>auditoria_seq.NEXTVAL</a:t>
-            </a:r>
-            <a:r>
-              <a:rPr lang="en-US" sz="1300" dirty="0"/>
-              <a:t>, USER, SYSDATE, </a:t>
-            </a:r>
-          </a:p>
-          <a:p>
-            <a:r>
-              <a:rPr lang="en-US" sz="1300" dirty="0"/>
-              <a:t>                                    'INSERT', :NEW.id, NULL, NULL);</a:t>
-            </a:r>
-          </a:p>
-          <a:p>
-            <a:r>
-              <a:rPr lang="en-US" sz="1300" dirty="0"/>
-              <a:t>    ELSIF UPDATING THEN</a:t>
-            </a:r>
-          </a:p>
-          <a:p>
-            <a:r>
-              <a:rPr lang="en-US" sz="1300" dirty="0"/>
-              <a:t>        INSERT INTO auditoria VALUES (</a:t>
-            </a:r>
-            <a:r>
-              <a:rPr lang="en-US" sz="1300" dirty="0" err="1"/>
-              <a:t>auditoria_seq.NEXTVAL</a:t>
-            </a:r>
-            <a:r>
-              <a:rPr lang="en-US" sz="1300" dirty="0"/>
-              <a:t>, USER, SYSDATE,</a:t>
-            </a:r>
-          </a:p>
-          <a:p>
-            <a:r>
-              <a:rPr lang="en-US" sz="1300" dirty="0"/>
-              <a:t>                                    'UPDATE', :NEW.id, :</a:t>
-            </a:r>
-            <a:r>
-              <a:rPr lang="en-US" sz="1300" dirty="0" err="1"/>
-              <a:t>OLD.salario</a:t>
-            </a:r>
-            <a:r>
-              <a:rPr lang="en-US" sz="1300" dirty="0"/>
-              <a:t>, :</a:t>
-            </a:r>
-            <a:r>
-              <a:rPr lang="en-US" sz="1300" dirty="0" err="1"/>
-              <a:t>NEW.salario</a:t>
-            </a:r>
-            <a:r>
-              <a:rPr lang="en-US" sz="1300" dirty="0"/>
-              <a:t>);</a:t>
-            </a:r>
-          </a:p>
-          <a:p>
-            <a:r>
-              <a:rPr lang="en-US" sz="1300" dirty="0"/>
-              <a:t>    ELSIF DELETING THEN</a:t>
-            </a:r>
-          </a:p>
-          <a:p>
-            <a:r>
-              <a:rPr lang="en-US" sz="1300" dirty="0"/>
-              <a:t>        INSERT INTO auditoria VALUES (</a:t>
-            </a:r>
-            <a:r>
-              <a:rPr lang="en-US" sz="1300" dirty="0" err="1"/>
-              <a:t>auditoria_seq.NEXTVAL</a:t>
-            </a:r>
-            <a:r>
-              <a:rPr lang="en-US" sz="1300" dirty="0"/>
-              <a:t>, USER, SYSDATE,</a:t>
-            </a:r>
-          </a:p>
-          <a:p>
-            <a:r>
-              <a:rPr lang="en-US" sz="1300" dirty="0"/>
-              <a:t>                                    'DELETE', :OLD.id, NULL, NULL);</a:t>
-            </a:r>
-          </a:p>
-          <a:p>
-            <a:r>
-              <a:rPr lang="en-US" sz="1300" dirty="0"/>
-              <a:t>    END IF;</a:t>
-            </a:r>
-          </a:p>
-          <a:p>
-            <a:r>
-              <a:rPr lang="en-US" sz="1300" dirty="0"/>
-              <a:t>END;</a:t>
-            </a:r>
-            <a:endParaRPr lang="en-US" sz="1400" dirty="0"/>
-          </a:p>
-        </p:txBody>
-      </p:sp>
-      <p:sp>
-        <p:nvSpPr>
-          <p:cNvPr id="9" name="4 Marcador de contenido">
-            <a:extLst>
-              <a:ext uri="{FF2B5EF4-FFF2-40B4-BE49-F238E27FC236}">
-                <a16:creationId xmlns:a16="http://schemas.microsoft.com/office/drawing/2014/main" id="{5C94AF96-9709-762B-F40B-C48B1BEB4C45}"/>
-              </a:ext>
-            </a:extLst>
-          </p:cNvPr>
-          <p:cNvSpPr txBox="1">
-            <a:spLocks/>
-          </p:cNvSpPr>
-          <p:nvPr/>
-        </p:nvSpPr>
-        <p:spPr>
-          <a:xfrm>
-            <a:off x="5868144" y="1306682"/>
-            <a:ext cx="3275856" cy="3569323"/>
-          </a:xfrm>
-          <a:prstGeom prst="rect">
-            <a:avLst/>
-          </a:prstGeom>
-        </p:spPr>
-        <p:txBody>
-          <a:bodyPr vert="horz" lIns="91440" tIns="45720" rIns="91440" bIns="45720" rtlCol="0">
-            <a:normAutofit/>
-          </a:bodyPr>
-          <a:lstStyle>
-            <a:lvl1pPr marL="0" indent="0" algn="l" defTabSz="914400" rtl="0" eaLnBrk="1" latinLnBrk="0" hangingPunct="1">
-              <a:spcBef>
-                <a:spcPct val="20000"/>
-              </a:spcBef>
-              <a:buFont typeface="Arial" pitchFamily="34" charset="0"/>
-              <a:buNone/>
-              <a:defRPr sz="2400" kern="1200">
-                <a:solidFill>
-                  <a:srgbClr val="FF6B00"/>
-                </a:solidFill>
-                <a:latin typeface="+mn-lt"/>
-                <a:ea typeface="+mn-ea"/>
-                <a:cs typeface="+mn-cs"/>
-              </a:defRPr>
-            </a:lvl1pPr>
-            <a:lvl2pPr marL="0" indent="0" algn="l" defTabSz="914400" rtl="0" eaLnBrk="1" latinLnBrk="0" hangingPunct="1">
-              <a:spcBef>
-                <a:spcPct val="20000"/>
-              </a:spcBef>
-              <a:buFont typeface="Arial" pitchFamily="34" charset="0"/>
-              <a:buNone/>
-              <a:defRPr sz="2000" kern="1200">
-                <a:solidFill>
-                  <a:schemeClr val="bg1">
-                    <a:lumMod val="50000"/>
-                  </a:schemeClr>
-                </a:solidFill>
-                <a:latin typeface="+mn-lt"/>
-                <a:ea typeface="+mn-ea"/>
-                <a:cs typeface="+mn-cs"/>
-              </a:defRPr>
-            </a:lvl2pPr>
-            <a:lvl3pPr marL="534988" indent="-266700" algn="l" defTabSz="914400" rtl="0" eaLnBrk="1" latinLnBrk="0" hangingPunct="1">
-              <a:spcBef>
-                <a:spcPct val="20000"/>
-              </a:spcBef>
-              <a:buClr>
-                <a:srgbClr val="FF6A00"/>
-              </a:buClr>
-              <a:buFont typeface="Arial" pitchFamily="34" charset="0"/>
-              <a:buChar char="•"/>
-              <a:defRPr sz="1800" kern="1200">
-                <a:solidFill>
-                  <a:schemeClr val="bg1">
-                    <a:lumMod val="50000"/>
-                  </a:schemeClr>
-                </a:solidFill>
-                <a:latin typeface="+mn-lt"/>
-                <a:ea typeface="+mn-ea"/>
-                <a:cs typeface="+mn-cs"/>
-              </a:defRPr>
-            </a:lvl3pPr>
-            <a:lvl4pPr marL="808038" indent="-268288" algn="l" defTabSz="914400" rtl="0" eaLnBrk="1" latinLnBrk="0" hangingPunct="1">
-              <a:spcBef>
-                <a:spcPct val="20000"/>
-              </a:spcBef>
-              <a:buClr>
-                <a:srgbClr val="FF6A00"/>
-              </a:buClr>
-              <a:buFont typeface="Arial" pitchFamily="34" charset="0"/>
-              <a:buChar char="–"/>
-              <a:defRPr sz="1600" kern="1200">
-                <a:solidFill>
-                  <a:schemeClr val="bg1">
-                    <a:lumMod val="50000"/>
-                  </a:schemeClr>
-                </a:solidFill>
-                <a:latin typeface="+mn-lt"/>
-                <a:ea typeface="+mn-ea"/>
-                <a:cs typeface="+mn-cs"/>
-              </a:defRPr>
-            </a:lvl4pPr>
-            <a:lvl5pPr marL="1341438" indent="-260350" algn="l" defTabSz="914400" rtl="0" eaLnBrk="1" latinLnBrk="0" hangingPunct="1">
-              <a:spcBef>
-                <a:spcPct val="20000"/>
-              </a:spcBef>
-              <a:buClr>
-                <a:srgbClr val="FF6A00"/>
-              </a:buClr>
-              <a:buFont typeface="Arial" pitchFamily="34" charset="0"/>
-              <a:buChar char="»"/>
-              <a:defRPr sz="1600" kern="1200">
-                <a:solidFill>
-                  <a:schemeClr val="bg1">
-                    <a:lumMod val="50000"/>
-                  </a:schemeClr>
-                </a:solidFill>
-                <a:latin typeface="+mn-lt"/>
-                <a:ea typeface="+mn-ea"/>
-                <a:cs typeface="+mn-cs"/>
-              </a:defRPr>
-            </a:lvl5pPr>
-            <a:lvl6pPr marL="2514600" indent="-228600" algn="l" defTabSz="914400" rtl="0" eaLnBrk="1" latinLnBrk="0" hangingPunct="1">
-              <a:spcBef>
-                <a:spcPct val="20000"/>
-              </a:spcBef>
-              <a:buFont typeface="Arial" pitchFamily="34" charset="0"/>
-              <a:buChar char="•"/>
-              <a:defRPr sz="2000" kern="1200">
-                <a:solidFill>
-                  <a:schemeClr val="tx1"/>
-                </a:solidFill>
-                <a:latin typeface="+mn-lt"/>
-                <a:ea typeface="+mn-ea"/>
-                <a:cs typeface="+mn-cs"/>
-              </a:defRPr>
-            </a:lvl6pPr>
-            <a:lvl7pPr marL="2971800" indent="-228600" algn="l" defTabSz="914400" rtl="0" eaLnBrk="1" latinLnBrk="0" hangingPunct="1">
-              <a:spcBef>
-                <a:spcPct val="20000"/>
-              </a:spcBef>
-              <a:buFont typeface="Arial" pitchFamily="34" charset="0"/>
-              <a:buChar char="•"/>
-              <a:defRPr sz="2000" kern="1200">
-                <a:solidFill>
-                  <a:schemeClr val="tx1"/>
-                </a:solidFill>
-                <a:latin typeface="+mn-lt"/>
-                <a:ea typeface="+mn-ea"/>
-                <a:cs typeface="+mn-cs"/>
-              </a:defRPr>
-            </a:lvl7pPr>
-            <a:lvl8pPr marL="3429000" indent="-228600" algn="l" defTabSz="914400" rtl="0" eaLnBrk="1" latinLnBrk="0" hangingPunct="1">
-              <a:spcBef>
-                <a:spcPct val="20000"/>
-              </a:spcBef>
-              <a:buFont typeface="Arial" pitchFamily="34" charset="0"/>
-              <a:buChar char="•"/>
-              <a:defRPr sz="2000" kern="1200">
-                <a:solidFill>
-                  <a:schemeClr val="tx1"/>
-                </a:solidFill>
-                <a:latin typeface="+mn-lt"/>
-                <a:ea typeface="+mn-ea"/>
-                <a:cs typeface="+mn-cs"/>
-              </a:defRPr>
-            </a:lvl8pPr>
-            <a:lvl9pPr marL="3886200" indent="-228600" algn="l" defTabSz="914400" rtl="0" eaLnBrk="1" latinLnBrk="0" hangingPunct="1">
-              <a:spcBef>
-                <a:spcPct val="20000"/>
-              </a:spcBef>
-              <a:buFont typeface="Arial" pitchFamily="34" charset="0"/>
-              <a:buChar char="•"/>
-              <a:defRPr sz="2000" kern="1200">
-                <a:solidFill>
-                  <a:schemeClr val="tx1"/>
-                </a:solidFill>
-                <a:latin typeface="+mn-lt"/>
-                <a:ea typeface="+mn-ea"/>
-                <a:cs typeface="+mn-cs"/>
-              </a:defRPr>
-            </a:lvl9pPr>
-          </a:lstStyle>
-          <a:p>
-            <a:pPr marL="342900" lvl="1" indent="-342900">
-              <a:buFont typeface="Arial" panose="020B0604020202020204" pitchFamily="34" charset="0"/>
-              <a:buChar char="•"/>
-            </a:pPr>
-            <a:r>
-              <a:rPr lang="es-ES" sz="1800" dirty="0"/>
-              <a:t>Permiten rastrear cambios: quién, cuándo y qué se modificó. Esencial para cumplimiento y análisis histórico.</a:t>
-            </a:r>
-          </a:p>
-        </p:txBody>
-      </p:sp>
-    </p:spTree>
-    <p:extLst>
-      <p:ext uri="{BB962C8B-B14F-4D97-AF65-F5344CB8AC3E}">
-        <p14:creationId xmlns:p14="http://schemas.microsoft.com/office/powerpoint/2010/main" val="3832503486"/>
-      </p:ext>
-    </p:extLst>
-  </p:cSld>
-  <p:clrMapOvr>
-    <a:masterClrMapping/>
-  </p:clrMapOvr>
-</p:sld>
-</file>
-
-<file path=ppt/slides/slide11.xml><?xml version="1.0" encoding="utf-8"?>
-<p:sld xmlns:a="http://schemas.openxmlformats.org/drawingml/2006/main" xmlns:r="http://schemas.openxmlformats.org/officeDocument/2006/relationships" xmlns:p="http://schemas.openxmlformats.org/presentationml/2006/main">
-  <p:cSld>
-    <p:spTree>
-      <p:nvGrpSpPr>
-        <p:cNvPr id="1" name="">
-          <a:extLst>
-            <a:ext uri="{FF2B5EF4-FFF2-40B4-BE49-F238E27FC236}">
               <a16:creationId xmlns:a16="http://schemas.microsoft.com/office/drawing/2014/main" id="{75221CF3-AF43-DC4E-51E9-9A38F8F06318}"/>
             </a:ext>
           </a:extLst>
@@ -5543,7 +4918,7 @@
 </p:sld>
 </file>
 
-<file path=ppt/slides/slide12.xml><?xml version="1.0" encoding="utf-8"?>
+<file path=ppt/slides/slide11.xml><?xml version="1.0" encoding="utf-8"?>
 <p:sld xmlns:a="http://schemas.openxmlformats.org/drawingml/2006/main" xmlns:r="http://schemas.openxmlformats.org/officeDocument/2006/relationships" xmlns:p="http://schemas.openxmlformats.org/presentationml/2006/main">
   <p:cSld>
     <p:spTree>
@@ -6099,7 +5474,7 @@
 </p:sld>
 </file>
 
-<file path=ppt/slides/slide13.xml><?xml version="1.0" encoding="utf-8"?>
+<file path=ppt/slides/slide12.xml><?xml version="1.0" encoding="utf-8"?>
 <p:sld xmlns:a="http://schemas.openxmlformats.org/drawingml/2006/main" xmlns:r="http://schemas.openxmlformats.org/officeDocument/2006/relationships" xmlns:p="http://schemas.openxmlformats.org/presentationml/2006/main">
   <p:cSld>
     <p:spTree>
@@ -6612,7 +5987,7 @@
 </p:sld>
 </file>
 
-<file path=ppt/slides/slide14.xml><?xml version="1.0" encoding="utf-8"?>
+<file path=ppt/slides/slide13.xml><?xml version="1.0" encoding="utf-8"?>
 <p:sld xmlns:a="http://schemas.openxmlformats.org/drawingml/2006/main" xmlns:r="http://schemas.openxmlformats.org/officeDocument/2006/relationships" xmlns:p="http://schemas.openxmlformats.org/presentationml/2006/main">
   <p:cSld>
     <p:spTree>
@@ -7128,7 +6503,7 @@
 </p:sld>
 </file>
 
-<file path=ppt/slides/slide15.xml><?xml version="1.0" encoding="utf-8"?>
+<file path=ppt/slides/slide14.xml><?xml version="1.0" encoding="utf-8"?>
 <p:sld xmlns:a="http://schemas.openxmlformats.org/drawingml/2006/main" xmlns:r="http://schemas.openxmlformats.org/officeDocument/2006/relationships" xmlns:p="http://schemas.openxmlformats.org/presentationml/2006/main">
   <p:cSld>
     <p:spTree>
@@ -7626,7 +7001,7 @@
 </p:sld>
 </file>
 
-<file path=ppt/slides/slide16.xml><?xml version="1.0" encoding="utf-8"?>
+<file path=ppt/slides/slide15.xml><?xml version="1.0" encoding="utf-8"?>
 <p:sld xmlns:a="http://schemas.openxmlformats.org/drawingml/2006/main" xmlns:r="http://schemas.openxmlformats.org/officeDocument/2006/relationships" xmlns:p="http://schemas.openxmlformats.org/presentationml/2006/main">
   <p:cSld>
     <p:spTree>
@@ -7943,311 +7318,6 @@
         <p:cNvPr id="1" name="">
           <a:extLst>
             <a:ext uri="{FF2B5EF4-FFF2-40B4-BE49-F238E27FC236}">
-              <a16:creationId xmlns:a16="http://schemas.microsoft.com/office/drawing/2014/main" id="{E1240E7A-4878-C245-DB0B-EE247F0D89D9}"/>
-            </a:ext>
-          </a:extLst>
-        </p:cNvPr>
-        <p:cNvGrpSpPr/>
-        <p:nvPr/>
-      </p:nvGrpSpPr>
-      <p:grpSpPr>
-        <a:xfrm>
-          <a:off x="0" y="0"/>
-          <a:ext cx="0" cy="0"/>
-          <a:chOff x="0" y="0"/>
-          <a:chExt cx="0" cy="0"/>
-        </a:xfrm>
-      </p:grpSpPr>
-      <p:sp>
-        <p:nvSpPr>
-          <p:cNvPr id="5" name="4 Marcador de contenido">
-            <a:extLst>
-              <a:ext uri="{FF2B5EF4-FFF2-40B4-BE49-F238E27FC236}">
-                <a16:creationId xmlns:a16="http://schemas.microsoft.com/office/drawing/2014/main" id="{916F86DC-1442-640D-0BF1-32AC10520FB6}"/>
-              </a:ext>
-            </a:extLst>
-          </p:cNvPr>
-          <p:cNvSpPr>
-            <a:spLocks noGrp="1"/>
-          </p:cNvSpPr>
-          <p:nvPr>
-            <p:ph idx="1"/>
-          </p:nvPr>
-        </p:nvSpPr>
-        <p:spPr>
-          <a:xfrm>
-            <a:off x="457200" y="915566"/>
-            <a:ext cx="8229600" cy="3816425"/>
-          </a:xfrm>
-        </p:spPr>
-        <p:txBody>
-          <a:bodyPr>
-            <a:normAutofit/>
-          </a:bodyPr>
-          <a:lstStyle/>
-          <a:p>
-            <a:r>
-              <a:rPr lang="es-ES" dirty="0"/>
-              <a:t>Inserción de datos con INSERT</a:t>
-            </a:r>
-          </a:p>
-          <a:p>
-            <a:pPr lvl="1"/>
-            <a:r>
-              <a:rPr lang="es-ES" sz="1600" dirty="0"/>
-              <a:t>Sintaxis básica:</a:t>
-            </a:r>
-          </a:p>
-          <a:p>
-            <a:pPr marL="877888" lvl="2" indent="-342900"/>
-            <a:r>
-              <a:rPr lang="es-ES" sz="1600" dirty="0"/>
-              <a:t>La forma más sencilla de agregar registros a una tabla es con la sintaxis estándar:</a:t>
-            </a:r>
-          </a:p>
-          <a:p>
-            <a:pPr lvl="1"/>
-            <a:endParaRPr lang="es-ES" dirty="0"/>
-          </a:p>
-          <a:p>
-            <a:pPr lvl="1"/>
-            <a:endParaRPr lang="es-ES" dirty="0"/>
-          </a:p>
-          <a:p>
-            <a:pPr lvl="1"/>
-            <a:r>
-              <a:rPr lang="es-ES" sz="1600" dirty="0"/>
-              <a:t>Siempre especifica las columnas —evita errores cuando la estructura de la tabla cambie.</a:t>
-            </a:r>
-          </a:p>
-          <a:p>
-            <a:pPr lvl="1"/>
-            <a:r>
-              <a:rPr lang="es-ES" sz="1600" dirty="0"/>
-              <a:t>Inserción masiva con </a:t>
-            </a:r>
-            <a:r>
-              <a:rPr lang="es-ES" dirty="0"/>
-              <a:t>INSERT ALL</a:t>
-            </a:r>
-            <a:endParaRPr lang="es-ES" sz="1600" dirty="0"/>
-          </a:p>
-          <a:p>
-            <a:pPr lvl="2"/>
-            <a:endParaRPr lang="es-ES" dirty="0"/>
-          </a:p>
-        </p:txBody>
-      </p:sp>
-      <p:sp>
-        <p:nvSpPr>
-          <p:cNvPr id="4" name="3 Título">
-            <a:extLst>
-              <a:ext uri="{FF2B5EF4-FFF2-40B4-BE49-F238E27FC236}">
-                <a16:creationId xmlns:a16="http://schemas.microsoft.com/office/drawing/2014/main" id="{92F88460-32FD-ABB0-5F03-576BB368F4DB}"/>
-              </a:ext>
-            </a:extLst>
-          </p:cNvPr>
-          <p:cNvSpPr>
-            <a:spLocks noGrp="1"/>
-          </p:cNvSpPr>
-          <p:nvPr>
-            <p:ph type="title"/>
-          </p:nvPr>
-        </p:nvSpPr>
-        <p:spPr/>
-        <p:txBody>
-          <a:bodyPr/>
-          <a:lstStyle/>
-          <a:p>
-            <a:r>
-              <a:rPr lang="es-ES" b="1" dirty="0"/>
-              <a:t>Análisis y optimización de consultas en Oracle SQL y PL/SQL</a:t>
-            </a:r>
-            <a:endParaRPr lang="es-ES" dirty="0"/>
-          </a:p>
-        </p:txBody>
-      </p:sp>
-      <p:sp>
-        <p:nvSpPr>
-          <p:cNvPr id="8" name="7 Marcador de texto">
-            <a:extLst>
-              <a:ext uri="{FF2B5EF4-FFF2-40B4-BE49-F238E27FC236}">
-                <a16:creationId xmlns:a16="http://schemas.microsoft.com/office/drawing/2014/main" id="{FEED6F9B-CAA9-639B-6FEB-986F79A5DDF6}"/>
-              </a:ext>
-            </a:extLst>
-          </p:cNvPr>
-          <p:cNvSpPr>
-            <a:spLocks noGrp="1"/>
-          </p:cNvSpPr>
-          <p:nvPr>
-            <p:ph type="body" sz="quarter" idx="14"/>
-          </p:nvPr>
-        </p:nvSpPr>
-        <p:spPr/>
-        <p:txBody>
-          <a:bodyPr>
-            <a:normAutofit fontScale="62500" lnSpcReduction="20000"/>
-          </a:bodyPr>
-          <a:lstStyle/>
-          <a:p>
-            <a:r>
-              <a:rPr lang="es-ES" dirty="0"/>
-              <a:t>Inserción de datos con INSERT</a:t>
-            </a:r>
-          </a:p>
-        </p:txBody>
-      </p:sp>
-      <p:sp>
-        <p:nvSpPr>
-          <p:cNvPr id="3" name="CuadroTexto 2">
-            <a:extLst>
-              <a:ext uri="{FF2B5EF4-FFF2-40B4-BE49-F238E27FC236}">
-                <a16:creationId xmlns:a16="http://schemas.microsoft.com/office/drawing/2014/main" id="{AD4822B7-1D19-3215-F90E-01218EAB08DC}"/>
-              </a:ext>
-            </a:extLst>
-          </p:cNvPr>
-          <p:cNvSpPr txBox="1"/>
-          <p:nvPr/>
-        </p:nvSpPr>
-        <p:spPr>
-          <a:xfrm>
-            <a:off x="1029162" y="2019971"/>
-            <a:ext cx="6512913" cy="584775"/>
-          </a:xfrm>
-          <a:prstGeom prst="rect">
-            <a:avLst/>
-          </a:prstGeom>
-          <a:noFill/>
-        </p:spPr>
-        <p:txBody>
-          <a:bodyPr wrap="square">
-            <a:spAutoFit/>
-          </a:bodyPr>
-          <a:lstStyle/>
-          <a:p>
-            <a:r>
-              <a:rPr lang="es-ES" sz="1600" dirty="0"/>
-              <a:t>INSERT INTO empleados (id, nombre, salario, </a:t>
-            </a:r>
-            <a:r>
-              <a:rPr lang="es-ES" sz="1600" dirty="0" err="1"/>
-              <a:t>departamento_id</a:t>
-            </a:r>
-            <a:r>
-              <a:rPr lang="es-ES" sz="1600" dirty="0"/>
-              <a:t>)</a:t>
-            </a:r>
-          </a:p>
-          <a:p>
-            <a:r>
-              <a:rPr lang="es-ES" sz="1600" dirty="0"/>
-              <a:t>VALUES (1, 'Ana Pérez', 2500, 10);</a:t>
-            </a:r>
-          </a:p>
-        </p:txBody>
-      </p:sp>
-      <p:sp>
-        <p:nvSpPr>
-          <p:cNvPr id="7" name="CuadroTexto 6">
-            <a:extLst>
-              <a:ext uri="{FF2B5EF4-FFF2-40B4-BE49-F238E27FC236}">
-                <a16:creationId xmlns:a16="http://schemas.microsoft.com/office/drawing/2014/main" id="{35A76FE5-B5A7-4304-9FA4-D7F29B83608D}"/>
-              </a:ext>
-            </a:extLst>
-          </p:cNvPr>
-          <p:cNvSpPr txBox="1"/>
-          <p:nvPr/>
-        </p:nvSpPr>
-        <p:spPr>
-          <a:xfrm>
-            <a:off x="1029162" y="3396646"/>
-            <a:ext cx="6711189" cy="1569660"/>
-          </a:xfrm>
-          <a:prstGeom prst="rect">
-            <a:avLst/>
-          </a:prstGeom>
-          <a:noFill/>
-        </p:spPr>
-        <p:txBody>
-          <a:bodyPr wrap="square">
-            <a:spAutoFit/>
-          </a:bodyPr>
-          <a:lstStyle/>
-          <a:p>
-            <a:r>
-              <a:rPr lang="es-ES" sz="1600" dirty="0"/>
-              <a:t>INSERT ALL</a:t>
-            </a:r>
-          </a:p>
-          <a:p>
-            <a:r>
-              <a:rPr lang="es-ES" sz="1600" dirty="0"/>
-              <a:t>  INTO empleados (id, nombre, salario, </a:t>
-            </a:r>
-            <a:r>
-              <a:rPr lang="es-ES" sz="1600" dirty="0" err="1"/>
-              <a:t>departamento_id</a:t>
-            </a:r>
-            <a:r>
-              <a:rPr lang="es-ES" sz="1600" dirty="0"/>
-              <a:t>)</a:t>
-            </a:r>
-          </a:p>
-          <a:p>
-            <a:r>
-              <a:rPr lang="es-ES" sz="1600" dirty="0"/>
-              <a:t>       VALUES (5, 'Laura Gómez', 2900, 10)</a:t>
-            </a:r>
-          </a:p>
-          <a:p>
-            <a:r>
-              <a:rPr lang="es-ES" sz="1600" dirty="0"/>
-              <a:t>  INTO empleados (id, nombre, salario, </a:t>
-            </a:r>
-            <a:r>
-              <a:rPr lang="es-ES" sz="1600" dirty="0" err="1"/>
-              <a:t>departamento_id</a:t>
-            </a:r>
-            <a:r>
-              <a:rPr lang="es-ES" sz="1600" dirty="0"/>
-              <a:t>)</a:t>
-            </a:r>
-          </a:p>
-          <a:p>
-            <a:r>
-              <a:rPr lang="es-ES" sz="1600" dirty="0"/>
-              <a:t>       VALUES (6, 'Pedro Torres', 3200, 20)</a:t>
-            </a:r>
-          </a:p>
-          <a:p>
-            <a:r>
-              <a:rPr lang="es-ES" sz="1600" dirty="0"/>
-              <a:t>SELECT * FROM dual;</a:t>
-            </a:r>
-          </a:p>
-        </p:txBody>
-      </p:sp>
-    </p:spTree>
-    <p:extLst>
-      <p:ext uri="{BB962C8B-B14F-4D97-AF65-F5344CB8AC3E}">
-        <p14:creationId xmlns:p14="http://schemas.microsoft.com/office/powerpoint/2010/main" val="2734281656"/>
-      </p:ext>
-    </p:extLst>
-  </p:cSld>
-  <p:clrMapOvr>
-    <a:masterClrMapping/>
-  </p:clrMapOvr>
-</p:sld>
-</file>
-
-<file path=ppt/slides/slide5.xml><?xml version="1.0" encoding="utf-8"?>
-<p:sld xmlns:a="http://schemas.openxmlformats.org/drawingml/2006/main" xmlns:r="http://schemas.openxmlformats.org/officeDocument/2006/relationships" xmlns:p="http://schemas.openxmlformats.org/presentationml/2006/main">
-  <p:cSld>
-    <p:spTree>
-      <p:nvGrpSpPr>
-        <p:cNvPr id="1" name="">
-          <a:extLst>
-            <a:ext uri="{FF2B5EF4-FFF2-40B4-BE49-F238E27FC236}">
               <a16:creationId xmlns:a16="http://schemas.microsoft.com/office/drawing/2014/main" id="{842C6369-A869-8C14-CE09-AF72CB39F4EF}"/>
             </a:ext>
           </a:extLst>
@@ -8710,7 +7780,7 @@
 </p:sld>
 </file>
 
-<file path=ppt/slides/slide6.xml><?xml version="1.0" encoding="utf-8"?>
+<file path=ppt/slides/slide5.xml><?xml version="1.0" encoding="utf-8"?>
 <p:sld xmlns:a="http://schemas.openxmlformats.org/drawingml/2006/main" xmlns:r="http://schemas.openxmlformats.org/officeDocument/2006/relationships" xmlns:p="http://schemas.openxmlformats.org/presentationml/2006/main">
   <p:cSld>
     <p:spTree>
@@ -9195,7 +8265,7 @@
 </p:sld>
 </file>
 
-<file path=ppt/slides/slide7.xml><?xml version="1.0" encoding="utf-8"?>
+<file path=ppt/slides/slide6.xml><?xml version="1.0" encoding="utf-8"?>
 <p:sld xmlns:a="http://schemas.openxmlformats.org/drawingml/2006/main" xmlns:r="http://schemas.openxmlformats.org/officeDocument/2006/relationships" xmlns:p="http://schemas.openxmlformats.org/presentationml/2006/main">
   <p:cSld>
     <p:spTree>
@@ -9652,7 +8722,7 @@
 </p:sld>
 </file>
 
-<file path=ppt/slides/slide8.xml><?xml version="1.0" encoding="utf-8"?>
+<file path=ppt/slides/slide7.xml><?xml version="1.0" encoding="utf-8"?>
 <p:sld xmlns:a="http://schemas.openxmlformats.org/drawingml/2006/main" xmlns:r="http://schemas.openxmlformats.org/officeDocument/2006/relationships" xmlns:p="http://schemas.openxmlformats.org/presentationml/2006/main">
   <p:cSld>
     <p:spTree>
@@ -10169,7 +9239,7 @@
 </p:sld>
 </file>
 
-<file path=ppt/slides/slide9.xml><?xml version="1.0" encoding="utf-8"?>
+<file path=ppt/slides/slide8.xml><?xml version="1.0" encoding="utf-8"?>
 <p:sld xmlns:a="http://schemas.openxmlformats.org/drawingml/2006/main" xmlns:r="http://schemas.openxmlformats.org/officeDocument/2006/relationships" xmlns:p="http://schemas.openxmlformats.org/presentationml/2006/main">
   <p:cSld>
     <p:spTree>
@@ -10677,6 +9747,545 @@
     <p:extLst>
       <p:ext uri="{BB962C8B-B14F-4D97-AF65-F5344CB8AC3E}">
         <p14:creationId xmlns:p14="http://schemas.microsoft.com/office/powerpoint/2010/main" val="3295670855"/>
+      </p:ext>
+    </p:extLst>
+  </p:cSld>
+  <p:clrMapOvr>
+    <a:masterClrMapping/>
+  </p:clrMapOvr>
+</p:sld>
+</file>
+
+<file path=ppt/slides/slide9.xml><?xml version="1.0" encoding="utf-8"?>
+<p:sld xmlns:a="http://schemas.openxmlformats.org/drawingml/2006/main" xmlns:r="http://schemas.openxmlformats.org/officeDocument/2006/relationships" xmlns:p="http://schemas.openxmlformats.org/presentationml/2006/main">
+  <p:cSld>
+    <p:spTree>
+      <p:nvGrpSpPr>
+        <p:cNvPr id="1" name="">
+          <a:extLst>
+            <a:ext uri="{FF2B5EF4-FFF2-40B4-BE49-F238E27FC236}">
+              <a16:creationId xmlns:a16="http://schemas.microsoft.com/office/drawing/2014/main" id="{5346935D-AB42-5DFB-03DF-BC5EC966111D}"/>
+            </a:ext>
+          </a:extLst>
+        </p:cNvPr>
+        <p:cNvGrpSpPr/>
+        <p:nvPr/>
+      </p:nvGrpSpPr>
+      <p:grpSpPr>
+        <a:xfrm>
+          <a:off x="0" y="0"/>
+          <a:ext cx="0" cy="0"/>
+          <a:chOff x="0" y="0"/>
+          <a:chExt cx="0" cy="0"/>
+        </a:xfrm>
+      </p:grpSpPr>
+      <p:sp>
+        <p:nvSpPr>
+          <p:cNvPr id="13" name="Rectángulo 12">
+            <a:extLst>
+              <a:ext uri="{FF2B5EF4-FFF2-40B4-BE49-F238E27FC236}">
+                <a16:creationId xmlns:a16="http://schemas.microsoft.com/office/drawing/2014/main" id="{D16F3A02-D443-0C7F-13B5-A529114D8E17}"/>
+              </a:ext>
+            </a:extLst>
+          </p:cNvPr>
+          <p:cNvSpPr/>
+          <p:nvPr/>
+        </p:nvSpPr>
+        <p:spPr>
+          <a:xfrm>
+            <a:off x="261636" y="1275606"/>
+            <a:ext cx="4886428" cy="3672407"/>
+          </a:xfrm>
+          <a:prstGeom prst="rect">
+            <a:avLst/>
+          </a:prstGeom>
+        </p:spPr>
+        <p:style>
+          <a:lnRef idx="2">
+            <a:schemeClr val="accent6"/>
+          </a:lnRef>
+          <a:fillRef idx="1">
+            <a:schemeClr val="lt1"/>
+          </a:fillRef>
+          <a:effectRef idx="0">
+            <a:schemeClr val="accent6"/>
+          </a:effectRef>
+          <a:fontRef idx="minor">
+            <a:schemeClr val="dk1"/>
+          </a:fontRef>
+        </p:style>
+        <p:txBody>
+          <a:bodyPr rtlCol="0" anchor="ctr"/>
+          <a:lstStyle/>
+          <a:p>
+            <a:pPr algn="ctr"/>
+            <a:endParaRPr lang="es-ES"/>
+          </a:p>
+        </p:txBody>
+      </p:sp>
+      <p:sp>
+        <p:nvSpPr>
+          <p:cNvPr id="5" name="4 Marcador de contenido">
+            <a:extLst>
+              <a:ext uri="{FF2B5EF4-FFF2-40B4-BE49-F238E27FC236}">
+                <a16:creationId xmlns:a16="http://schemas.microsoft.com/office/drawing/2014/main" id="{DAA66C12-5F05-A362-5645-96540E791605}"/>
+              </a:ext>
+            </a:extLst>
+          </p:cNvPr>
+          <p:cNvSpPr>
+            <a:spLocks noGrp="1"/>
+          </p:cNvSpPr>
+          <p:nvPr>
+            <p:ph idx="1"/>
+          </p:nvPr>
+        </p:nvSpPr>
+        <p:spPr>
+          <a:xfrm>
+            <a:off x="457200" y="915567"/>
+            <a:ext cx="8579296" cy="360040"/>
+          </a:xfrm>
+        </p:spPr>
+        <p:txBody>
+          <a:bodyPr>
+            <a:normAutofit fontScale="47500" lnSpcReduction="20000"/>
+          </a:bodyPr>
+          <a:lstStyle/>
+          <a:p>
+            <a:r>
+              <a:rPr lang="es-ES" sz="4200" dirty="0"/>
+              <a:t>Casos Típicos de Auditoría</a:t>
+            </a:r>
+            <a:endParaRPr lang="es-ES" dirty="0"/>
+          </a:p>
+        </p:txBody>
+      </p:sp>
+      <p:sp>
+        <p:nvSpPr>
+          <p:cNvPr id="4" name="3 Título">
+            <a:extLst>
+              <a:ext uri="{FF2B5EF4-FFF2-40B4-BE49-F238E27FC236}">
+                <a16:creationId xmlns:a16="http://schemas.microsoft.com/office/drawing/2014/main" id="{10E76E1C-FC2D-3361-F91B-CE54CEDF54C6}"/>
+              </a:ext>
+            </a:extLst>
+          </p:cNvPr>
+          <p:cNvSpPr>
+            <a:spLocks noGrp="1"/>
+          </p:cNvSpPr>
+          <p:nvPr>
+            <p:ph type="title"/>
+          </p:nvPr>
+        </p:nvSpPr>
+        <p:spPr/>
+        <p:txBody>
+          <a:bodyPr/>
+          <a:lstStyle/>
+          <a:p>
+            <a:r>
+              <a:rPr lang="es-ES" b="1" dirty="0"/>
+              <a:t>Análisis y optimización de consultas en Oracle SQL y PL/SQL</a:t>
+            </a:r>
+            <a:endParaRPr lang="es-ES" dirty="0"/>
+          </a:p>
+        </p:txBody>
+      </p:sp>
+      <p:sp>
+        <p:nvSpPr>
+          <p:cNvPr id="8" name="7 Marcador de texto">
+            <a:extLst>
+              <a:ext uri="{FF2B5EF4-FFF2-40B4-BE49-F238E27FC236}">
+                <a16:creationId xmlns:a16="http://schemas.microsoft.com/office/drawing/2014/main" id="{DD8D8E5A-773A-DFAC-F228-2A24BFE702FE}"/>
+              </a:ext>
+            </a:extLst>
+          </p:cNvPr>
+          <p:cNvSpPr>
+            <a:spLocks noGrp="1"/>
+          </p:cNvSpPr>
+          <p:nvPr>
+            <p:ph type="body" sz="quarter" idx="14"/>
+          </p:nvPr>
+        </p:nvSpPr>
+        <p:spPr/>
+        <p:txBody>
+          <a:bodyPr>
+            <a:normAutofit fontScale="62500" lnSpcReduction="20000"/>
+          </a:bodyPr>
+          <a:lstStyle/>
+          <a:p>
+            <a:r>
+              <a:rPr lang="es-ES" dirty="0" err="1"/>
+              <a:t>Trigger</a:t>
+            </a:r>
+            <a:endParaRPr lang="es-ES" dirty="0"/>
+          </a:p>
+        </p:txBody>
+      </p:sp>
+      <p:sp>
+        <p:nvSpPr>
+          <p:cNvPr id="12" name="CuadroTexto 11">
+            <a:extLst>
+              <a:ext uri="{FF2B5EF4-FFF2-40B4-BE49-F238E27FC236}">
+                <a16:creationId xmlns:a16="http://schemas.microsoft.com/office/drawing/2014/main" id="{80819DEA-6840-3A17-9A0C-A8EBB2BC1C47}"/>
+              </a:ext>
+            </a:extLst>
+          </p:cNvPr>
+          <p:cNvSpPr txBox="1"/>
+          <p:nvPr/>
+        </p:nvSpPr>
+        <p:spPr>
+          <a:xfrm>
+            <a:off x="270855" y="1419622"/>
+            <a:ext cx="5309257" cy="3693319"/>
+          </a:xfrm>
+          <a:prstGeom prst="rect">
+            <a:avLst/>
+          </a:prstGeom>
+          <a:noFill/>
+        </p:spPr>
+        <p:txBody>
+          <a:bodyPr wrap="square">
+            <a:spAutoFit/>
+          </a:bodyPr>
+          <a:lstStyle/>
+          <a:p>
+            <a:r>
+              <a:rPr lang="en-US" sz="1300" dirty="0"/>
+              <a:t>CREATE OR REPLACE TRIGGER </a:t>
+            </a:r>
+            <a:r>
+              <a:rPr lang="en-US" sz="1300" dirty="0" err="1"/>
+              <a:t>tr_auditoria_completa</a:t>
+            </a:r>
+            <a:endParaRPr lang="en-US" sz="1300" dirty="0"/>
+          </a:p>
+          <a:p>
+            <a:r>
+              <a:rPr lang="en-US" sz="1300" dirty="0"/>
+              <a:t>AFTER INSERT OR UPDATE OR DELETE ON </a:t>
+            </a:r>
+            <a:r>
+              <a:rPr lang="en-US" sz="1300" dirty="0" err="1"/>
+              <a:t>empleados</a:t>
+            </a:r>
+            <a:endParaRPr lang="en-US" sz="1300" dirty="0"/>
+          </a:p>
+          <a:p>
+            <a:r>
+              <a:rPr lang="en-US" sz="1300" dirty="0"/>
+              <a:t>FOR EACH ROW</a:t>
+            </a:r>
+          </a:p>
+          <a:p>
+            <a:r>
+              <a:rPr lang="en-US" sz="1300" dirty="0"/>
+              <a:t>BEGIN</a:t>
+            </a:r>
+          </a:p>
+          <a:p>
+            <a:r>
+              <a:rPr lang="en-US" sz="1300" dirty="0"/>
+              <a:t>    IF INSERTING THEN</a:t>
+            </a:r>
+          </a:p>
+          <a:p>
+            <a:r>
+              <a:rPr lang="en-US" sz="1300" dirty="0"/>
+              <a:t>        INSERT INTO auditoria VALUES (</a:t>
+            </a:r>
+            <a:r>
+              <a:rPr lang="en-US" sz="1300" dirty="0" err="1"/>
+              <a:t>auditoria_seq.NEXTVAL</a:t>
+            </a:r>
+            <a:r>
+              <a:rPr lang="en-US" sz="1300" dirty="0"/>
+              <a:t>, USER, SYSDATE, </a:t>
+            </a:r>
+          </a:p>
+          <a:p>
+            <a:r>
+              <a:rPr lang="en-US" sz="1300" dirty="0"/>
+              <a:t>                                    'INSERT', :NEW.id, NULL, NULL);</a:t>
+            </a:r>
+          </a:p>
+          <a:p>
+            <a:r>
+              <a:rPr lang="en-US" sz="1300" dirty="0"/>
+              <a:t>    ELSIF UPDATING THEN</a:t>
+            </a:r>
+          </a:p>
+          <a:p>
+            <a:r>
+              <a:rPr lang="en-US" sz="1300" dirty="0"/>
+              <a:t>        INSERT INTO auditoria VALUES (</a:t>
+            </a:r>
+            <a:r>
+              <a:rPr lang="en-US" sz="1300" dirty="0" err="1"/>
+              <a:t>auditoria_seq.NEXTVAL</a:t>
+            </a:r>
+            <a:r>
+              <a:rPr lang="en-US" sz="1300" dirty="0"/>
+              <a:t>, USER, SYSDATE,</a:t>
+            </a:r>
+          </a:p>
+          <a:p>
+            <a:r>
+              <a:rPr lang="en-US" sz="1300" dirty="0"/>
+              <a:t>                                    'UPDATE', :NEW.id, :</a:t>
+            </a:r>
+            <a:r>
+              <a:rPr lang="en-US" sz="1300" dirty="0" err="1"/>
+              <a:t>OLD.salario</a:t>
+            </a:r>
+            <a:r>
+              <a:rPr lang="en-US" sz="1300" dirty="0"/>
+              <a:t>, :</a:t>
+            </a:r>
+            <a:r>
+              <a:rPr lang="en-US" sz="1300" dirty="0" err="1"/>
+              <a:t>NEW.salario</a:t>
+            </a:r>
+            <a:r>
+              <a:rPr lang="en-US" sz="1300" dirty="0"/>
+              <a:t>);</a:t>
+            </a:r>
+          </a:p>
+          <a:p>
+            <a:r>
+              <a:rPr lang="en-US" sz="1300" dirty="0"/>
+              <a:t>    ELSIF DELETING THEN</a:t>
+            </a:r>
+          </a:p>
+          <a:p>
+            <a:r>
+              <a:rPr lang="en-US" sz="1300" dirty="0"/>
+              <a:t>        INSERT INTO auditoria VALUES (</a:t>
+            </a:r>
+            <a:r>
+              <a:rPr lang="en-US" sz="1300" dirty="0" err="1"/>
+              <a:t>auditoria_seq.NEXTVAL</a:t>
+            </a:r>
+            <a:r>
+              <a:rPr lang="en-US" sz="1300" dirty="0"/>
+              <a:t>, USER, SYSDATE,</a:t>
+            </a:r>
+          </a:p>
+          <a:p>
+            <a:r>
+              <a:rPr lang="en-US" sz="1300" dirty="0"/>
+              <a:t>                                    'DELETE', :OLD.id, NULL, NULL);</a:t>
+            </a:r>
+          </a:p>
+          <a:p>
+            <a:r>
+              <a:rPr lang="en-US" sz="1300" dirty="0"/>
+              <a:t>    END IF;</a:t>
+            </a:r>
+          </a:p>
+          <a:p>
+            <a:r>
+              <a:rPr lang="en-US" sz="1300" dirty="0"/>
+              <a:t>END;</a:t>
+            </a:r>
+            <a:endParaRPr lang="en-US" sz="1400" dirty="0"/>
+          </a:p>
+        </p:txBody>
+      </p:sp>
+      <p:sp>
+        <p:nvSpPr>
+          <p:cNvPr id="9" name="4 Marcador de contenido">
+            <a:extLst>
+              <a:ext uri="{FF2B5EF4-FFF2-40B4-BE49-F238E27FC236}">
+                <a16:creationId xmlns:a16="http://schemas.microsoft.com/office/drawing/2014/main" id="{5C94AF96-9709-762B-F40B-C48B1BEB4C45}"/>
+              </a:ext>
+            </a:extLst>
+          </p:cNvPr>
+          <p:cNvSpPr txBox="1">
+            <a:spLocks/>
+          </p:cNvSpPr>
+          <p:nvPr/>
+        </p:nvSpPr>
+        <p:spPr>
+          <a:xfrm>
+            <a:off x="5868144" y="1306682"/>
+            <a:ext cx="3275856" cy="3569323"/>
+          </a:xfrm>
+          <a:prstGeom prst="rect">
+            <a:avLst/>
+          </a:prstGeom>
+        </p:spPr>
+        <p:txBody>
+          <a:bodyPr vert="horz" lIns="91440" tIns="45720" rIns="91440" bIns="45720" rtlCol="0">
+            <a:normAutofit/>
+          </a:bodyPr>
+          <a:lstStyle>
+            <a:lvl1pPr marL="0" indent="0" algn="l" defTabSz="914400" rtl="0" eaLnBrk="1" latinLnBrk="0" hangingPunct="1">
+              <a:spcBef>
+                <a:spcPct val="20000"/>
+              </a:spcBef>
+              <a:buFont typeface="Arial" pitchFamily="34" charset="0"/>
+              <a:buNone/>
+              <a:defRPr sz="2400" kern="1200">
+                <a:solidFill>
+                  <a:srgbClr val="FF6B00"/>
+                </a:solidFill>
+                <a:latin typeface="+mn-lt"/>
+                <a:ea typeface="+mn-ea"/>
+                <a:cs typeface="+mn-cs"/>
+              </a:defRPr>
+            </a:lvl1pPr>
+            <a:lvl2pPr marL="0" indent="0" algn="l" defTabSz="914400" rtl="0" eaLnBrk="1" latinLnBrk="0" hangingPunct="1">
+              <a:spcBef>
+                <a:spcPct val="20000"/>
+              </a:spcBef>
+              <a:buFont typeface="Arial" pitchFamily="34" charset="0"/>
+              <a:buNone/>
+              <a:defRPr sz="2000" kern="1200">
+                <a:solidFill>
+                  <a:schemeClr val="bg1">
+                    <a:lumMod val="50000"/>
+                  </a:schemeClr>
+                </a:solidFill>
+                <a:latin typeface="+mn-lt"/>
+                <a:ea typeface="+mn-ea"/>
+                <a:cs typeface="+mn-cs"/>
+              </a:defRPr>
+            </a:lvl2pPr>
+            <a:lvl3pPr marL="534988" indent="-266700" algn="l" defTabSz="914400" rtl="0" eaLnBrk="1" latinLnBrk="0" hangingPunct="1">
+              <a:spcBef>
+                <a:spcPct val="20000"/>
+              </a:spcBef>
+              <a:buClr>
+                <a:srgbClr val="FF6A00"/>
+              </a:buClr>
+              <a:buFont typeface="Arial" pitchFamily="34" charset="0"/>
+              <a:buChar char="•"/>
+              <a:defRPr sz="1800" kern="1200">
+                <a:solidFill>
+                  <a:schemeClr val="bg1">
+                    <a:lumMod val="50000"/>
+                  </a:schemeClr>
+                </a:solidFill>
+                <a:latin typeface="+mn-lt"/>
+                <a:ea typeface="+mn-ea"/>
+                <a:cs typeface="+mn-cs"/>
+              </a:defRPr>
+            </a:lvl3pPr>
+            <a:lvl4pPr marL="808038" indent="-268288" algn="l" defTabSz="914400" rtl="0" eaLnBrk="1" latinLnBrk="0" hangingPunct="1">
+              <a:spcBef>
+                <a:spcPct val="20000"/>
+              </a:spcBef>
+              <a:buClr>
+                <a:srgbClr val="FF6A00"/>
+              </a:buClr>
+              <a:buFont typeface="Arial" pitchFamily="34" charset="0"/>
+              <a:buChar char="–"/>
+              <a:defRPr sz="1600" kern="1200">
+                <a:solidFill>
+                  <a:schemeClr val="bg1">
+                    <a:lumMod val="50000"/>
+                  </a:schemeClr>
+                </a:solidFill>
+                <a:latin typeface="+mn-lt"/>
+                <a:ea typeface="+mn-ea"/>
+                <a:cs typeface="+mn-cs"/>
+              </a:defRPr>
+            </a:lvl4pPr>
+            <a:lvl5pPr marL="1341438" indent="-260350" algn="l" defTabSz="914400" rtl="0" eaLnBrk="1" latinLnBrk="0" hangingPunct="1">
+              <a:spcBef>
+                <a:spcPct val="20000"/>
+              </a:spcBef>
+              <a:buClr>
+                <a:srgbClr val="FF6A00"/>
+              </a:buClr>
+              <a:buFont typeface="Arial" pitchFamily="34" charset="0"/>
+              <a:buChar char="»"/>
+              <a:defRPr sz="1600" kern="1200">
+                <a:solidFill>
+                  <a:schemeClr val="bg1">
+                    <a:lumMod val="50000"/>
+                  </a:schemeClr>
+                </a:solidFill>
+                <a:latin typeface="+mn-lt"/>
+                <a:ea typeface="+mn-ea"/>
+                <a:cs typeface="+mn-cs"/>
+              </a:defRPr>
+            </a:lvl5pPr>
+            <a:lvl6pPr marL="2514600" indent="-228600" algn="l" defTabSz="914400" rtl="0" eaLnBrk="1" latinLnBrk="0" hangingPunct="1">
+              <a:spcBef>
+                <a:spcPct val="20000"/>
+              </a:spcBef>
+              <a:buFont typeface="Arial" pitchFamily="34" charset="0"/>
+              <a:buChar char="•"/>
+              <a:defRPr sz="2000" kern="1200">
+                <a:solidFill>
+                  <a:schemeClr val="tx1"/>
+                </a:solidFill>
+                <a:latin typeface="+mn-lt"/>
+                <a:ea typeface="+mn-ea"/>
+                <a:cs typeface="+mn-cs"/>
+              </a:defRPr>
+            </a:lvl6pPr>
+            <a:lvl7pPr marL="2971800" indent="-228600" algn="l" defTabSz="914400" rtl="0" eaLnBrk="1" latinLnBrk="0" hangingPunct="1">
+              <a:spcBef>
+                <a:spcPct val="20000"/>
+              </a:spcBef>
+              <a:buFont typeface="Arial" pitchFamily="34" charset="0"/>
+              <a:buChar char="•"/>
+              <a:defRPr sz="2000" kern="1200">
+                <a:solidFill>
+                  <a:schemeClr val="tx1"/>
+                </a:solidFill>
+                <a:latin typeface="+mn-lt"/>
+                <a:ea typeface="+mn-ea"/>
+                <a:cs typeface="+mn-cs"/>
+              </a:defRPr>
+            </a:lvl7pPr>
+            <a:lvl8pPr marL="3429000" indent="-228600" algn="l" defTabSz="914400" rtl="0" eaLnBrk="1" latinLnBrk="0" hangingPunct="1">
+              <a:spcBef>
+                <a:spcPct val="20000"/>
+              </a:spcBef>
+              <a:buFont typeface="Arial" pitchFamily="34" charset="0"/>
+              <a:buChar char="•"/>
+              <a:defRPr sz="2000" kern="1200">
+                <a:solidFill>
+                  <a:schemeClr val="tx1"/>
+                </a:solidFill>
+                <a:latin typeface="+mn-lt"/>
+                <a:ea typeface="+mn-ea"/>
+                <a:cs typeface="+mn-cs"/>
+              </a:defRPr>
+            </a:lvl8pPr>
+            <a:lvl9pPr marL="3886200" indent="-228600" algn="l" defTabSz="914400" rtl="0" eaLnBrk="1" latinLnBrk="0" hangingPunct="1">
+              <a:spcBef>
+                <a:spcPct val="20000"/>
+              </a:spcBef>
+              <a:buFont typeface="Arial" pitchFamily="34" charset="0"/>
+              <a:buChar char="•"/>
+              <a:defRPr sz="2000" kern="1200">
+                <a:solidFill>
+                  <a:schemeClr val="tx1"/>
+                </a:solidFill>
+                <a:latin typeface="+mn-lt"/>
+                <a:ea typeface="+mn-ea"/>
+                <a:cs typeface="+mn-cs"/>
+              </a:defRPr>
+            </a:lvl9pPr>
+          </a:lstStyle>
+          <a:p>
+            <a:pPr marL="342900" lvl="1" indent="-342900">
+              <a:buFont typeface="Arial" panose="020B0604020202020204" pitchFamily="34" charset="0"/>
+              <a:buChar char="•"/>
+            </a:pPr>
+            <a:r>
+              <a:rPr lang="es-ES" sz="1800" dirty="0"/>
+              <a:t>Permiten rastrear cambios: quién, cuándo y qué se modificó. Esencial para cumplimiento y análisis histórico.</a:t>
+            </a:r>
+          </a:p>
+        </p:txBody>
+      </p:sp>
+    </p:spTree>
+    <p:extLst>
+      <p:ext uri="{BB962C8B-B14F-4D97-AF65-F5344CB8AC3E}">
+        <p14:creationId xmlns:p14="http://schemas.microsoft.com/office/powerpoint/2010/main" val="3832503486"/>
       </p:ext>
     </p:extLst>
   </p:cSld>
